--- a/Project Folder/Project V4 sem 8 (Final).pptx
+++ b/Project Folder/Project V4 sem 8 (Final).pptx
@@ -407,7 +407,7 @@
           <a:p>
             <a:fld id="{DCF7F412-BFC8-4D5C-81D7-FA6897FF929F}" type="datetimeFigureOut">
               <a:rPr lang="en-IN" smtClean="0"/>
-              <a:t>18-04-2023</a:t>
+              <a:t>25-04-2023</a:t>
             </a:fld>
             <a:endParaRPr lang="en-IN"/>
           </a:p>
@@ -628,7 +628,7 @@
           <a:p>
             <a:fld id="{DCF7F412-BFC8-4D5C-81D7-FA6897FF929F}" type="datetimeFigureOut">
               <a:rPr lang="en-IN" smtClean="0"/>
-              <a:t>18-04-2023</a:t>
+              <a:t>25-04-2023</a:t>
             </a:fld>
             <a:endParaRPr lang="en-IN"/>
           </a:p>
@@ -808,7 +808,7 @@
           <a:p>
             <a:fld id="{DCF7F412-BFC8-4D5C-81D7-FA6897FF929F}" type="datetimeFigureOut">
               <a:rPr lang="en-IN" smtClean="0"/>
-              <a:t>18-04-2023</a:t>
+              <a:t>25-04-2023</a:t>
             </a:fld>
             <a:endParaRPr lang="en-IN"/>
           </a:p>
@@ -978,7 +978,7 @@
           <a:p>
             <a:fld id="{DCF7F412-BFC8-4D5C-81D7-FA6897FF929F}" type="datetimeFigureOut">
               <a:rPr lang="en-IN" smtClean="0"/>
-              <a:t>18-04-2023</a:t>
+              <a:t>25-04-2023</a:t>
             </a:fld>
             <a:endParaRPr lang="en-IN"/>
           </a:p>
@@ -1229,7 +1229,7 @@
           <a:p>
             <a:fld id="{DCF7F412-BFC8-4D5C-81D7-FA6897FF929F}" type="datetimeFigureOut">
               <a:rPr lang="en-IN" smtClean="0"/>
-              <a:t>18-04-2023</a:t>
+              <a:t>25-04-2023</a:t>
             </a:fld>
             <a:endParaRPr lang="en-IN"/>
           </a:p>
@@ -1552,7 +1552,7 @@
           <a:p>
             <a:fld id="{DCF7F412-BFC8-4D5C-81D7-FA6897FF929F}" type="datetimeFigureOut">
               <a:rPr lang="en-IN" smtClean="0"/>
-              <a:t>18-04-2023</a:t>
+              <a:t>25-04-2023</a:t>
             </a:fld>
             <a:endParaRPr lang="en-IN"/>
           </a:p>
@@ -1976,7 +1976,7 @@
           <a:p>
             <a:fld id="{DCF7F412-BFC8-4D5C-81D7-FA6897FF929F}" type="datetimeFigureOut">
               <a:rPr lang="en-IN" smtClean="0"/>
-              <a:t>18-04-2023</a:t>
+              <a:t>25-04-2023</a:t>
             </a:fld>
             <a:endParaRPr lang="en-IN"/>
           </a:p>
@@ -2094,7 +2094,7 @@
           <a:p>
             <a:fld id="{DCF7F412-BFC8-4D5C-81D7-FA6897FF929F}" type="datetimeFigureOut">
               <a:rPr lang="en-IN" smtClean="0"/>
-              <a:t>18-04-2023</a:t>
+              <a:t>25-04-2023</a:t>
             </a:fld>
             <a:endParaRPr lang="en-IN"/>
           </a:p>
@@ -2189,7 +2189,7 @@
           <a:p>
             <a:fld id="{DCF7F412-BFC8-4D5C-81D7-FA6897FF929F}" type="datetimeFigureOut">
               <a:rPr lang="en-IN" smtClean="0"/>
-              <a:t>18-04-2023</a:t>
+              <a:t>25-04-2023</a:t>
             </a:fld>
             <a:endParaRPr lang="en-IN"/>
           </a:p>
@@ -2479,7 +2479,7 @@
           <a:p>
             <a:fld id="{DCF7F412-BFC8-4D5C-81D7-FA6897FF929F}" type="datetimeFigureOut">
               <a:rPr lang="en-IN" smtClean="0"/>
-              <a:t>18-04-2023</a:t>
+              <a:t>25-04-2023</a:t>
             </a:fld>
             <a:endParaRPr lang="en-IN"/>
           </a:p>
@@ -2751,7 +2751,7 @@
           <a:p>
             <a:fld id="{DCF7F412-BFC8-4D5C-81D7-FA6897FF929F}" type="datetimeFigureOut">
               <a:rPr lang="en-IN" smtClean="0"/>
-              <a:t>18-04-2023</a:t>
+              <a:t>25-04-2023</a:t>
             </a:fld>
             <a:endParaRPr lang="en-IN"/>
           </a:p>
@@ -3005,7 +3005,7 @@
           <a:p>
             <a:fld id="{DCF7F412-BFC8-4D5C-81D7-FA6897FF929F}" type="datetimeFigureOut">
               <a:rPr lang="en-IN" smtClean="0"/>
-              <a:t>18-04-2023</a:t>
+              <a:t>25-04-2023</a:t>
             </a:fld>
             <a:endParaRPr lang="en-IN"/>
           </a:p>
@@ -3500,7 +3500,7 @@
               </a:lnSpc>
             </a:pPr>
             <a:r>
-              <a:rPr lang="en-IN" sz="3200" b="1" u="sng" cap="none" dirty="0">
+              <a:rPr lang="en-IN" sz="3000" b="1" u="sng" cap="none" dirty="0">
                 <a:solidFill>
                   <a:srgbClr val="002060"/>
                 </a:solidFill>
@@ -3512,7 +3512,7 @@
               <a:t>Online Validation Of University E-certificate For Scholarship Grant With Compliance Of Data Security Principles And Biometric Authentications</a:t>
             </a:r>
             <a:br>
-              <a:rPr lang="en-IN" sz="3200" b="1" u="sng" dirty="0">
+              <a:rPr lang="en-IN" sz="3000" b="1" u="sng" dirty="0">
                 <a:solidFill>
                   <a:srgbClr val="002060"/>
                 </a:solidFill>
@@ -3522,7 +3522,7 @@
                 <a:cs typeface="Cascadia Mono SemiBold" panose="020B0609020000020004" pitchFamily="49" charset="0"/>
               </a:rPr>
             </a:br>
-            <a:endParaRPr lang="en-IN" sz="3200" b="1" u="sng" dirty="0">
+            <a:endParaRPr lang="en-IN" sz="3000" b="1" u="sng" dirty="0">
               <a:solidFill>
                 <a:srgbClr val="002060"/>
               </a:solidFill>
@@ -19608,7 +19608,7 @@
         <p:spPr>
           <a:xfrm>
             <a:off x="670967" y="1371881"/>
-            <a:ext cx="2733977" cy="1200329"/>
+            <a:ext cx="2733977" cy="1015663"/>
           </a:xfrm>
           <a:prstGeom prst="rect">
             <a:avLst/>
@@ -19716,13 +19716,13 @@
           </a:lstStyle>
           <a:p>
             <a:r>
-              <a:rPr lang="en-US" sz="2400" dirty="0">
+              <a:rPr lang="en-US" sz="2000" dirty="0">
                 <a:latin typeface="Times New Roman" panose="02020603050405020304" pitchFamily="18" charset="0"/>
                 <a:cs typeface="Times New Roman" panose="02020603050405020304" pitchFamily="18" charset="0"/>
               </a:rPr>
               <a:t>Commission private share fabrication in segment 1</a:t>
             </a:r>
-            <a:endParaRPr lang="en-IN" sz="2400" dirty="0">
+            <a:endParaRPr lang="en-IN" sz="2000" dirty="0">
               <a:latin typeface="Times New Roman" panose="02020603050405020304" pitchFamily="18" charset="0"/>
               <a:cs typeface="Times New Roman" panose="02020603050405020304" pitchFamily="18" charset="0"/>
             </a:endParaRPr>
@@ -19744,7 +19744,7 @@
         <p:spPr>
           <a:xfrm>
             <a:off x="670967" y="2600184"/>
-            <a:ext cx="2654306" cy="1569660"/>
+            <a:ext cx="2654306" cy="1015663"/>
           </a:xfrm>
           <a:prstGeom prst="rect">
             <a:avLst/>
@@ -19852,13 +19852,13 @@
           </a:lstStyle>
           <a:p>
             <a:r>
-              <a:rPr lang="en-US" sz="2400" dirty="0">
+              <a:rPr lang="en-US" sz="2000" dirty="0">
                 <a:latin typeface="Times New Roman" panose="02020603050405020304" pitchFamily="18" charset="0"/>
                 <a:cs typeface="Times New Roman" panose="02020603050405020304" pitchFamily="18" charset="0"/>
               </a:rPr>
               <a:t>Candidate right thumb impression fabrication in segment 2</a:t>
             </a:r>
-            <a:endParaRPr lang="en-IN" sz="2400" dirty="0">
+            <a:endParaRPr lang="en-IN" sz="2000" dirty="0">
               <a:latin typeface="Times New Roman" panose="02020603050405020304" pitchFamily="18" charset="0"/>
               <a:cs typeface="Times New Roman" panose="02020603050405020304" pitchFamily="18" charset="0"/>
             </a:endParaRPr>
@@ -19880,7 +19880,7 @@
         <p:spPr>
           <a:xfrm>
             <a:off x="662530" y="4197818"/>
-            <a:ext cx="3467893" cy="830997"/>
+            <a:ext cx="3467893" cy="707886"/>
           </a:xfrm>
           <a:prstGeom prst="rect">
             <a:avLst/>
@@ -19988,7 +19988,7 @@
           </a:lstStyle>
           <a:p>
             <a:r>
-              <a:rPr lang="en-US" sz="2400" dirty="0">
+              <a:rPr lang="en-US" sz="2000" dirty="0">
                 <a:latin typeface="Times New Roman" panose="02020603050405020304" pitchFamily="18" charset="0"/>
                 <a:cs typeface="Times New Roman" panose="02020603050405020304" pitchFamily="18" charset="0"/>
               </a:rPr>
@@ -20934,7 +20934,7 @@
         <p:spPr>
           <a:xfrm>
             <a:off x="670966" y="5251938"/>
-            <a:ext cx="3382873" cy="830997"/>
+            <a:ext cx="3382873" cy="707886"/>
           </a:xfrm>
           <a:prstGeom prst="rect">
             <a:avLst/>
@@ -20948,7 +20948,7 @@
           <a:lstStyle/>
           <a:p>
             <a:r>
-              <a:rPr lang="en-IN" sz="2400" dirty="0">
+              <a:rPr lang="en-IN" sz="2000" dirty="0">
                 <a:latin typeface="Times New Roman" panose="02020603050405020304" pitchFamily="18" charset="0"/>
                 <a:cs typeface="Times New Roman" panose="02020603050405020304" pitchFamily="18" charset="0"/>
               </a:rPr>
@@ -22332,13 +22332,22 @@
               </a:spcAft>
             </a:pPr>
             <a:r>
+              <a:rPr lang="en-US">
+                <a:effectLst/>
+                <a:latin typeface="Times New Roman" panose="02020603050405020304" pitchFamily="18" charset="0"/>
+                <a:ea typeface="Calibri" panose="020F0502020204030204" pitchFamily="34" charset="0"/>
+                <a:cs typeface="Times New Roman" panose="02020603050405020304" pitchFamily="18" charset="0"/>
+              </a:rPr>
+              <a:t>If Ci’ </a:t>
+            </a:r>
+            <a:r>
               <a:rPr lang="en-US" dirty="0">
                 <a:effectLst/>
                 <a:latin typeface="Times New Roman" panose="02020603050405020304" pitchFamily="18" charset="0"/>
                 <a:ea typeface="Calibri" panose="020F0502020204030204" pitchFamily="34" charset="0"/>
                 <a:cs typeface="Times New Roman" panose="02020603050405020304" pitchFamily="18" charset="0"/>
               </a:rPr>
-              <a:t>If Ci &gt;= Ri:</a:t>
+              <a:t>&gt;= Ri:</a:t>
             </a:r>
             <a:endParaRPr lang="en-IN" dirty="0">
               <a:effectLst/>
@@ -22443,45 +22452,6 @@
       </p:sp>
       <p:cxnSp>
         <p:nvCxnSpPr>
-          <p:cNvPr id="6" name="Straight Arrow Connector 5">
-            <a:extLst>
-              <a:ext uri="{FF2B5EF4-FFF2-40B4-BE49-F238E27FC236}">
-                <a16:creationId xmlns:a16="http://schemas.microsoft.com/office/drawing/2014/main" id="{ADB600FB-CC32-BB4B-0403-20322E3391AF}"/>
-              </a:ext>
-            </a:extLst>
-          </p:cNvPr>
-          <p:cNvCxnSpPr/>
-          <p:nvPr/>
-        </p:nvCxnSpPr>
-        <p:spPr>
-          <a:xfrm>
-            <a:off x="1557918" y="2374048"/>
-            <a:ext cx="0" cy="501805"/>
-          </a:xfrm>
-          <a:prstGeom prst="straightConnector1">
-            <a:avLst/>
-          </a:prstGeom>
-          <a:ln w="63500">
-            <a:tailEnd type="triangle"/>
-          </a:ln>
-        </p:spPr>
-        <p:style>
-          <a:lnRef idx="1">
-            <a:schemeClr val="accent1"/>
-          </a:lnRef>
-          <a:fillRef idx="0">
-            <a:schemeClr val="accent1"/>
-          </a:fillRef>
-          <a:effectRef idx="0">
-            <a:schemeClr val="accent1"/>
-          </a:effectRef>
-          <a:fontRef idx="minor">
-            <a:schemeClr val="tx1"/>
-          </a:fontRef>
-        </p:style>
-      </p:cxnSp>
-      <p:cxnSp>
-        <p:nvCxnSpPr>
           <p:cNvPr id="7" name="Straight Arrow Connector 6">
             <a:extLst>
               <a:ext uri="{FF2B5EF4-FFF2-40B4-BE49-F238E27FC236}">
@@ -22662,7 +22632,7 @@
                 <a:ea typeface="Calibri" panose="020F0502020204030204" pitchFamily="34" charset="0"/>
                 <a:cs typeface="Times New Roman" panose="02020603050405020304" pitchFamily="18" charset="0"/>
               </a:rPr>
-              <a:t>1 = a1-a4	 	a2 = (a3+a2)/2	</a:t>
+              <a:t>1 = a1-a4	 	C2 = (a3+a2)/2	</a:t>
             </a:r>
           </a:p>
           <a:p>
@@ -22829,13 +22799,13 @@
           <p:nvPr>
             <p:extLst>
               <p:ext uri="{D42A27DB-BD31-4B8C-83A1-F6EECF244321}">
-                <p14:modId xmlns:p14="http://schemas.microsoft.com/office/powerpoint/2010/main" val="1276773297"/>
+                <p14:modId xmlns:p14="http://schemas.microsoft.com/office/powerpoint/2010/main" val="2836543849"/>
               </p:ext>
             </p:extLst>
           </p:nvPr>
         </p:nvGraphicFramePr>
         <p:xfrm>
-          <a:off x="6213475" y="2976418"/>
+          <a:off x="6238877" y="2976418"/>
           <a:ext cx="3254374" cy="786202"/>
         </p:xfrm>
         <a:graphic>
@@ -22957,13 +22927,184 @@
           <p:nvPr>
             <p:extLst>
               <p:ext uri="{D42A27DB-BD31-4B8C-83A1-F6EECF244321}">
-                <p14:modId xmlns:p14="http://schemas.microsoft.com/office/powerpoint/2010/main" val="440369927"/>
+                <p14:modId xmlns:p14="http://schemas.microsoft.com/office/powerpoint/2010/main" val="2251044241"/>
               </p:ext>
             </p:extLst>
           </p:nvPr>
         </p:nvGraphicFramePr>
         <p:xfrm>
-          <a:off x="774699" y="3035895"/>
+          <a:off x="774698" y="3035895"/>
+          <a:ext cx="4313426" cy="786210"/>
+        </p:xfrm>
+        <a:graphic>
+          <a:graphicData uri="http://schemas.openxmlformats.org/drawingml/2006/table">
+            <a:tbl>
+              <a:tblPr>
+                <a:tableStyleId>{5C22544A-7EE6-4342-B048-85BDC9FD1C3A}</a:tableStyleId>
+              </a:tblPr>
+              <a:tblGrid>
+                <a:gridCol w="2156713">
+                  <a:extLst>
+                    <a:ext uri="{9D8B030D-6E8A-4147-A177-3AD203B41FA5}">
+                      <a16:colId xmlns:a16="http://schemas.microsoft.com/office/drawing/2014/main" val="2848265288"/>
+                    </a:ext>
+                  </a:extLst>
+                </a:gridCol>
+                <a:gridCol w="2156713">
+                  <a:extLst>
+                    <a:ext uri="{9D8B030D-6E8A-4147-A177-3AD203B41FA5}">
+                      <a16:colId xmlns:a16="http://schemas.microsoft.com/office/drawing/2014/main" val="888830652"/>
+                    </a:ext>
+                  </a:extLst>
+                </a:gridCol>
+              </a:tblGrid>
+              <a:tr h="393105">
+                <a:tc>
+                  <a:txBody>
+                    <a:bodyPr/>
+                    <a:lstStyle/>
+                    <a:p>
+                      <a:r>
+                        <a:rPr lang="en-IN" sz="1600" dirty="0">
+                          <a:latin typeface="Times New Roman" panose="02020603050405020304" pitchFamily="18" charset="0"/>
+                          <a:cs typeface="Times New Roman" panose="02020603050405020304" pitchFamily="18" charset="0"/>
+                        </a:rPr>
+                        <a:t>C1’ = 7 (4 &lt; 7 &lt; 8)</a:t>
+                      </a:r>
+                    </a:p>
+                  </a:txBody>
+                  <a:tcPr/>
+                </a:tc>
+                <a:tc>
+                  <a:txBody>
+                    <a:bodyPr/>
+                    <a:lstStyle/>
+                    <a:p>
+                      <a:r>
+                        <a:rPr lang="en-IN" sz="1600" dirty="0">
+                          <a:latin typeface="Times New Roman" panose="02020603050405020304" pitchFamily="18" charset="0"/>
+                          <a:cs typeface="Times New Roman" panose="02020603050405020304" pitchFamily="18" charset="0"/>
+                        </a:rPr>
+                        <a:t>C2’ = 9 (8 &lt; 9 &lt; 12)</a:t>
+                      </a:r>
+                    </a:p>
+                  </a:txBody>
+                  <a:tcPr/>
+                </a:tc>
+                <a:extLst>
+                  <a:ext uri="{0D108BD9-81ED-4DB2-BD59-A6C34878D82A}">
+                    <a16:rowId xmlns:a16="http://schemas.microsoft.com/office/drawing/2014/main" val="2770073666"/>
+                  </a:ext>
+                </a:extLst>
+              </a:tr>
+              <a:tr h="393105">
+                <a:tc>
+                  <a:txBody>
+                    <a:bodyPr/>
+                    <a:lstStyle/>
+                    <a:p>
+                      <a:r>
+                        <a:rPr lang="en-IN" sz="1600" dirty="0">
+                          <a:latin typeface="Times New Roman" panose="02020603050405020304" pitchFamily="18" charset="0"/>
+                          <a:cs typeface="Times New Roman" panose="02020603050405020304" pitchFamily="18" charset="0"/>
+                        </a:rPr>
+                        <a:t>C3’ = 1 (0 &lt; 1 &lt; 4)</a:t>
+                      </a:r>
+                    </a:p>
+                  </a:txBody>
+                  <a:tcPr/>
+                </a:tc>
+                <a:tc>
+                  <a:txBody>
+                    <a:bodyPr/>
+                    <a:lstStyle/>
+                    <a:p>
+                      <a:r>
+                        <a:rPr lang="en-IN" sz="1600" dirty="0">
+                          <a:latin typeface="Times New Roman" panose="02020603050405020304" pitchFamily="18" charset="0"/>
+                          <a:cs typeface="Times New Roman" panose="02020603050405020304" pitchFamily="18" charset="0"/>
+                        </a:rPr>
+                        <a:t>C4’ = 11 (8 &lt; 11 &lt; 12)</a:t>
+                      </a:r>
+                    </a:p>
+                  </a:txBody>
+                  <a:tcPr/>
+                </a:tc>
+                <a:extLst>
+                  <a:ext uri="{0D108BD9-81ED-4DB2-BD59-A6C34878D82A}">
+                    <a16:rowId xmlns:a16="http://schemas.microsoft.com/office/drawing/2014/main" val="3716510816"/>
+                  </a:ext>
+                </a:extLst>
+              </a:tr>
+            </a:tbl>
+          </a:graphicData>
+        </a:graphic>
+      </p:graphicFrame>
+      <p:sp>
+        <p:nvSpPr>
+          <p:cNvPr id="2" name="TextBox 1">
+            <a:extLst>
+              <a:ext uri="{FF2B5EF4-FFF2-40B4-BE49-F238E27FC236}">
+                <a16:creationId xmlns:a16="http://schemas.microsoft.com/office/drawing/2014/main" id="{12E93CA1-2CD9-4737-BE08-134891939553}"/>
+              </a:ext>
+            </a:extLst>
+          </p:cNvPr>
+          <p:cNvSpPr txBox="1"/>
+          <p:nvPr/>
+        </p:nvSpPr>
+        <p:spPr>
+          <a:xfrm>
+            <a:off x="1782575" y="2547889"/>
+            <a:ext cx="4313425" cy="307777"/>
+          </a:xfrm>
+          <a:prstGeom prst="rect">
+            <a:avLst/>
+          </a:prstGeom>
+          <a:noFill/>
+        </p:spPr>
+        <p:txBody>
+          <a:bodyPr wrap="none" rtlCol="0">
+            <a:spAutoFit/>
+          </a:bodyPr>
+          <a:lstStyle/>
+          <a:p>
+            <a:r>
+              <a:rPr lang="en-IN" sz="1400" dirty="0"/>
+              <a:t>(Omit –</a:t>
+            </a:r>
+            <a:r>
+              <a:rPr lang="en-IN" sz="1400" dirty="0" err="1"/>
+              <a:t>ve</a:t>
+            </a:r>
+            <a:r>
+              <a:rPr lang="en-IN" sz="1400" dirty="0"/>
+              <a:t> signs at this stage for absolute measurement)</a:t>
+            </a:r>
+          </a:p>
+        </p:txBody>
+      </p:sp>
+      <p:graphicFrame>
+        <p:nvGraphicFramePr>
+          <p:cNvPr id="12" name="Table 15">
+            <a:extLst>
+              <a:ext uri="{FF2B5EF4-FFF2-40B4-BE49-F238E27FC236}">
+                <a16:creationId xmlns:a16="http://schemas.microsoft.com/office/drawing/2014/main" id="{3CE0581E-2B20-4FFF-8934-87B000C455BE}"/>
+              </a:ext>
+            </a:extLst>
+          </p:cNvPr>
+          <p:cNvGraphicFramePr>
+            <a:graphicFrameLocks noGrp="1"/>
+          </p:cNvGraphicFramePr>
+          <p:nvPr>
+            <p:extLst>
+              <p:ext uri="{D42A27DB-BD31-4B8C-83A1-F6EECF244321}">
+                <p14:modId xmlns:p14="http://schemas.microsoft.com/office/powerpoint/2010/main" val="2967769918"/>
+              </p:ext>
+            </p:extLst>
+          </p:nvPr>
+        </p:nvGraphicFramePr>
+        <p:xfrm>
+          <a:off x="7428782" y="1180942"/>
           <a:ext cx="4148084" cy="786210"/>
         </p:xfrm>
         <a:graphic>
@@ -22999,7 +23140,7 @@
                           <a:latin typeface="Times New Roman" panose="02020603050405020304" pitchFamily="18" charset="0"/>
                           <a:cs typeface="Times New Roman" panose="02020603050405020304" pitchFamily="18" charset="0"/>
                         </a:rPr>
-                        <a:t>-7 (4 &lt; 7 &lt; 8)</a:t>
+                        <a:t>C1 = -7 </a:t>
                       </a:r>
                     </a:p>
                   </a:txBody>
@@ -23015,7 +23156,7 @@
                           <a:latin typeface="Times New Roman" panose="02020603050405020304" pitchFamily="18" charset="0"/>
                           <a:cs typeface="Times New Roman" panose="02020603050405020304" pitchFamily="18" charset="0"/>
                         </a:rPr>
-                        <a:t>9 (8 &lt; 9 &lt; 12)</a:t>
+                        <a:t>C2 = 9</a:t>
                       </a:r>
                     </a:p>
                   </a:txBody>
@@ -23038,7 +23179,7 @@
                           <a:latin typeface="Times New Roman" panose="02020603050405020304" pitchFamily="18" charset="0"/>
                           <a:cs typeface="Times New Roman" panose="02020603050405020304" pitchFamily="18" charset="0"/>
                         </a:rPr>
-                        <a:t>-1 (0 &lt; 1 &lt; 4)</a:t>
+                        <a:t>C3 = -1 </a:t>
                       </a:r>
                     </a:p>
                   </a:txBody>
@@ -23054,7 +23195,7 @@
                           <a:latin typeface="Times New Roman" panose="02020603050405020304" pitchFamily="18" charset="0"/>
                           <a:cs typeface="Times New Roman" panose="02020603050405020304" pitchFamily="18" charset="0"/>
                         </a:rPr>
-                        <a:t>11 (8 &lt; 11 &lt; 12)</a:t>
+                        <a:t>C4 = 11</a:t>
                       </a:r>
                     </a:p>
                   </a:txBody>
@@ -23070,6 +23211,153 @@
           </a:graphicData>
         </a:graphic>
       </p:graphicFrame>
+      <p:sp>
+        <p:nvSpPr>
+          <p:cNvPr id="3" name="Arrow: Right 2">
+            <a:extLst>
+              <a:ext uri="{FF2B5EF4-FFF2-40B4-BE49-F238E27FC236}">
+                <a16:creationId xmlns:a16="http://schemas.microsoft.com/office/drawing/2014/main" id="{AEEB70FE-AFB2-4C15-85CD-B8DDCE2A386A}"/>
+              </a:ext>
+            </a:extLst>
+          </p:cNvPr>
+          <p:cNvSpPr/>
+          <p:nvPr/>
+        </p:nvSpPr>
+        <p:spPr>
+          <a:xfrm>
+            <a:off x="2366682" y="2050151"/>
+            <a:ext cx="4707234" cy="104136"/>
+          </a:xfrm>
+          <a:prstGeom prst="rightArrow">
+            <a:avLst/>
+          </a:prstGeom>
+          <a:ln>
+            <a:noFill/>
+          </a:ln>
+        </p:spPr>
+        <p:style>
+          <a:lnRef idx="2">
+            <a:schemeClr val="accent1">
+              <a:shade val="50000"/>
+            </a:schemeClr>
+          </a:lnRef>
+          <a:fillRef idx="1">
+            <a:schemeClr val="accent1"/>
+          </a:fillRef>
+          <a:effectRef idx="0">
+            <a:schemeClr val="accent1"/>
+          </a:effectRef>
+          <a:fontRef idx="minor">
+            <a:schemeClr val="lt1"/>
+          </a:fontRef>
+        </p:style>
+        <p:txBody>
+          <a:bodyPr rtlCol="0" anchor="ctr"/>
+          <a:lstStyle/>
+          <a:p>
+            <a:pPr algn="ctr"/>
+            <a:endParaRPr lang="en-IN"/>
+          </a:p>
+        </p:txBody>
+      </p:sp>
+      <p:sp>
+        <p:nvSpPr>
+          <p:cNvPr id="18" name="Arrow: Bent-Up 17">
+            <a:extLst>
+              <a:ext uri="{FF2B5EF4-FFF2-40B4-BE49-F238E27FC236}">
+                <a16:creationId xmlns:a16="http://schemas.microsoft.com/office/drawing/2014/main" id="{5F0A1D86-E876-42EC-B743-DFBC199DC52B}"/>
+              </a:ext>
+            </a:extLst>
+          </p:cNvPr>
+          <p:cNvSpPr/>
+          <p:nvPr/>
+        </p:nvSpPr>
+        <p:spPr>
+          <a:xfrm rot="10800000">
+            <a:off x="1434352" y="2330760"/>
+            <a:ext cx="6741459" cy="157643"/>
+          </a:xfrm>
+          <a:prstGeom prst="bentUpArrow">
+            <a:avLst/>
+          </a:prstGeom>
+          <a:ln>
+            <a:noFill/>
+          </a:ln>
+        </p:spPr>
+        <p:style>
+          <a:lnRef idx="2">
+            <a:schemeClr val="accent1">
+              <a:shade val="50000"/>
+            </a:schemeClr>
+          </a:lnRef>
+          <a:fillRef idx="1">
+            <a:schemeClr val="accent1"/>
+          </a:fillRef>
+          <a:effectRef idx="0">
+            <a:schemeClr val="accent1"/>
+          </a:effectRef>
+          <a:fontRef idx="minor">
+            <a:schemeClr val="lt1"/>
+          </a:fontRef>
+        </p:style>
+        <p:txBody>
+          <a:bodyPr rtlCol="0" anchor="ctr"/>
+          <a:lstStyle/>
+          <a:p>
+            <a:pPr algn="ctr"/>
+            <a:endParaRPr lang="en-IN"/>
+          </a:p>
+        </p:txBody>
+      </p:sp>
+      <p:sp>
+        <p:nvSpPr>
+          <p:cNvPr id="19" name="Arrow: Bent-Up 18">
+            <a:extLst>
+              <a:ext uri="{FF2B5EF4-FFF2-40B4-BE49-F238E27FC236}">
+                <a16:creationId xmlns:a16="http://schemas.microsoft.com/office/drawing/2014/main" id="{2C4C132C-A003-4D4C-96C5-97161ED9AE5F}"/>
+              </a:ext>
+            </a:extLst>
+          </p:cNvPr>
+          <p:cNvSpPr/>
+          <p:nvPr/>
+        </p:nvSpPr>
+        <p:spPr>
+          <a:xfrm rot="16200000" flipH="1">
+            <a:off x="8570260" y="2101199"/>
+            <a:ext cx="170330" cy="400509"/>
+          </a:xfrm>
+          <a:prstGeom prst="bentUpArrow">
+            <a:avLst/>
+          </a:prstGeom>
+          <a:ln>
+            <a:noFill/>
+          </a:ln>
+        </p:spPr>
+        <p:style>
+          <a:lnRef idx="2">
+            <a:schemeClr val="accent1">
+              <a:shade val="50000"/>
+            </a:schemeClr>
+          </a:lnRef>
+          <a:fillRef idx="1">
+            <a:schemeClr val="accent1"/>
+          </a:fillRef>
+          <a:effectRef idx="0">
+            <a:schemeClr val="accent1"/>
+          </a:effectRef>
+          <a:fontRef idx="minor">
+            <a:schemeClr val="lt1"/>
+          </a:fontRef>
+        </p:style>
+        <p:txBody>
+          <a:bodyPr rtlCol="0" anchor="ctr"/>
+          <a:lstStyle/>
+          <a:p>
+            <a:pPr algn="ctr"/>
+            <a:endParaRPr lang="en-IN"/>
+          </a:p>
+        </p:txBody>
+      </p:sp>
     </p:spTree>
     <p:extLst>
       <p:ext uri="{BB962C8B-B14F-4D97-AF65-F5344CB8AC3E}">
@@ -23529,7 +23817,24 @@
                 <a:ea typeface="Calibri" panose="020F0502020204030204" pitchFamily="34" charset="0"/>
                 <a:cs typeface="Times New Roman" panose="02020603050405020304" pitchFamily="18" charset="0"/>
               </a:rPr>
-              <a:t>Quantitative experimental data for fingerprint matching:</a:t>
+              <a:t>Quantitative experimental data for </a:t>
+            </a:r>
+            <a:r>
+              <a:rPr lang="en-IN" sz="2400" b="1" u="sng" dirty="0">
+                <a:latin typeface="Calibri" panose="020F0502020204030204" pitchFamily="34" charset="0"/>
+                <a:ea typeface="Calibri" panose="020F0502020204030204" pitchFamily="34" charset="0"/>
+                <a:cs typeface="Times New Roman" panose="02020603050405020304" pitchFamily="18" charset="0"/>
+              </a:rPr>
+              <a:t>TDS Algorithm</a:t>
+            </a:r>
+            <a:r>
+              <a:rPr lang="en-IN" sz="2400" b="1" u="sng" dirty="0">
+                <a:effectLst/>
+                <a:latin typeface="Calibri" panose="020F0502020204030204" pitchFamily="34" charset="0"/>
+                <a:ea typeface="Calibri" panose="020F0502020204030204" pitchFamily="34" charset="0"/>
+                <a:cs typeface="Times New Roman" panose="02020603050405020304" pitchFamily="18" charset="0"/>
+              </a:rPr>
+              <a:t>:</a:t>
             </a:r>
             <a:endParaRPr lang="en-IN" sz="2400" dirty="0">
               <a:effectLst/>
@@ -38385,6 +38690,41 @@
               <a:latin typeface="Times New Roman" panose="02020603050405020304" pitchFamily="18" charset="0"/>
               <a:cs typeface="Times New Roman" panose="02020603050405020304" pitchFamily="18" charset="0"/>
             </a:endParaRPr>
+          </a:p>
+        </p:txBody>
+      </p:sp>
+      <p:sp>
+        <p:nvSpPr>
+          <p:cNvPr id="4" name="TextBox 3">
+            <a:extLst>
+              <a:ext uri="{FF2B5EF4-FFF2-40B4-BE49-F238E27FC236}">
+                <a16:creationId xmlns:a16="http://schemas.microsoft.com/office/drawing/2014/main" id="{B3AB8B4A-1226-4FE7-95F2-4EE270454562}"/>
+              </a:ext>
+            </a:extLst>
+          </p:cNvPr>
+          <p:cNvSpPr txBox="1"/>
+          <p:nvPr/>
+        </p:nvSpPr>
+        <p:spPr>
+          <a:xfrm>
+            <a:off x="8228785" y="6361466"/>
+            <a:ext cx="3850926" cy="276999"/>
+          </a:xfrm>
+          <a:prstGeom prst="rect">
+            <a:avLst/>
+          </a:prstGeom>
+          <a:noFill/>
+        </p:spPr>
+        <p:txBody>
+          <a:bodyPr wrap="none" rtlCol="0">
+            <a:spAutoFit/>
+          </a:bodyPr>
+          <a:lstStyle/>
+          <a:p>
+            <a:r>
+              <a:rPr lang="en-IN" sz="1200" dirty="0"/>
+              <a:t>(Full list of references can be found in the Documentation)</a:t>
+            </a:r>
           </a:p>
         </p:txBody>
       </p:sp>
@@ -46968,7 +47308,7 @@
               <a:defRPr/>
             </a:pPr>
             <a:r>
-              <a:rPr kumimoji="0" lang="en-US" sz="2600" b="0" i="0" u="none" strike="noStrike" kern="1200" cap="none" spc="0" normalizeH="0" baseline="0" noProof="0" dirty="0">
+              <a:rPr kumimoji="0" lang="en-US" sz="2500" b="0" i="0" u="none" strike="noStrike" kern="1200" cap="none" spc="0" normalizeH="0" baseline="0" noProof="0" dirty="0">
                 <a:ln>
                   <a:noFill/>
                 </a:ln>
